--- a/Presentaties/2Wekelijkse PowerPoint/Industrial Automation.pptx
+++ b/Presentaties/2Wekelijkse PowerPoint/Industrial Automation.pptx
@@ -9335,7 +9335,7 @@
                 <a:latin typeface="Calibri" panose="020F0502020204030204" pitchFamily="34" charset="0"/>
                 <a:cs typeface="Calibri" panose="020F0502020204030204" pitchFamily="34" charset="0"/>
               </a:rPr>
-              <a:t>Dashboard</a:t>
+              <a:t>Dashboard </a:t>
             </a:r>
           </a:p>
           <a:p>
@@ -9352,6 +9352,58 @@
               </a:rPr>
               <a:t>Registratie sensor</a:t>
             </a:r>
+          </a:p>
+          <a:p>
+            <a:pPr>
+              <a:buClrTx/>
+            </a:pPr>
+            <a:r>
+              <a:rPr lang="nl-BE" dirty="0" err="1">
+                <a:solidFill>
+                  <a:schemeClr val="bg2"/>
+                </a:solidFill>
+                <a:latin typeface="Calibri" panose="020F0502020204030204" pitchFamily="34" charset="0"/>
+                <a:cs typeface="Calibri" panose="020F0502020204030204" pitchFamily="34" charset="0"/>
+              </a:rPr>
+              <a:t>API’s</a:t>
+            </a:r>
+            <a:r>
+              <a:rPr lang="nl-BE" dirty="0">
+                <a:solidFill>
+                  <a:schemeClr val="bg2"/>
+                </a:solidFill>
+                <a:latin typeface="Calibri" panose="020F0502020204030204" pitchFamily="34" charset="0"/>
+                <a:cs typeface="Calibri" panose="020F0502020204030204" pitchFamily="34" charset="0"/>
+              </a:rPr>
+              <a:t> bekeken</a:t>
+            </a:r>
+          </a:p>
+          <a:p>
+            <a:pPr>
+              <a:buClrTx/>
+            </a:pPr>
+            <a:r>
+              <a:rPr lang="nl-BE" dirty="0">
+                <a:solidFill>
+                  <a:schemeClr val="bg2"/>
+                </a:solidFill>
+                <a:latin typeface="Calibri" panose="020F0502020204030204" pitchFamily="34" charset="0"/>
+                <a:cs typeface="Calibri" panose="020F0502020204030204" pitchFamily="34" charset="0"/>
+              </a:rPr>
+              <a:t>Seriële verbinding gelegd met de module</a:t>
+            </a:r>
+          </a:p>
+          <a:p>
+            <a:pPr>
+              <a:buClrTx/>
+            </a:pPr>
+            <a:endParaRPr lang="nl-BE" dirty="0">
+              <a:solidFill>
+                <a:schemeClr val="bg2"/>
+              </a:solidFill>
+              <a:latin typeface="Calibri" panose="020F0502020204030204" pitchFamily="34" charset="0"/>
+              <a:cs typeface="Calibri" panose="020F0502020204030204" pitchFamily="34" charset="0"/>
+            </a:endParaRPr>
           </a:p>
           <a:p>
             <a:pPr lvl="4">
